--- a/SE401/Lectures/6-Unit Testing and Junit/Test Cases.pptx
+++ b/SE401/Lectures/6-Unit Testing and Junit/Test Cases.pptx
@@ -232,7 +232,7 @@
           <a:p>
             <a:fld id="{CFDFA0FC-3A8C-4702-9062-E5BC9F149477}" type="datetimeFigureOut">
               <a:rPr lang="en-US" smtClean="0"/>
-              <a:t>11/28/2021</a:t>
+              <a:t>2/17/2022</a:t>
             </a:fld>
             <a:endParaRPr lang="en-US"/>
           </a:p>
@@ -703,7 +703,7 @@
           <a:ln/>
           <a:extLst>
             <a:ext uri="{FAA26D3D-D897-4be2-8F04-BA451C77F1D7}">
-              <ma14:placeholderFlag xmlns="" xmlns:ma14="http://schemas.microsoft.com/office/mac/drawingml/2011/main" val="1"/>
+              <ma14:placeholderFlag xmlns:ma14="http://schemas.microsoft.com/office/mac/drawingml/2011/main" xmlns="" val="1"/>
             </a:ext>
           </a:extLst>
         </p:spPr>
@@ -887,7 +887,7 @@
           <a:ln/>
           <a:extLst>
             <a:ext uri="{FAA26D3D-D897-4be2-8F04-BA451C77F1D7}">
-              <ma14:placeholderFlag xmlns="" xmlns:ma14="http://schemas.microsoft.com/office/mac/drawingml/2011/main" val="1"/>
+              <ma14:placeholderFlag xmlns:ma14="http://schemas.microsoft.com/office/mac/drawingml/2011/main" xmlns="" val="1"/>
             </a:ext>
           </a:extLst>
         </p:spPr>
@@ -1369,7 +1369,7 @@
           <a:ln/>
           <a:extLst>
             <a:ext uri="{FAA26D3D-D897-4be2-8F04-BA451C77F1D7}">
-              <ma14:placeholderFlag xmlns="" xmlns:ma14="http://schemas.microsoft.com/office/mac/drawingml/2011/main" val="1"/>
+              <ma14:placeholderFlag xmlns:ma14="http://schemas.microsoft.com/office/mac/drawingml/2011/main" xmlns="" val="1"/>
             </a:ext>
           </a:extLst>
         </p:spPr>
@@ -1551,7 +1551,7 @@
           <a:ln/>
           <a:extLst>
             <a:ext uri="{FAA26D3D-D897-4be2-8F04-BA451C77F1D7}">
-              <ma14:placeholderFlag xmlns="" xmlns:ma14="http://schemas.microsoft.com/office/mac/drawingml/2011/main" val="1"/>
+              <ma14:placeholderFlag xmlns:ma14="http://schemas.microsoft.com/office/mac/drawingml/2011/main" xmlns="" val="1"/>
             </a:ext>
           </a:extLst>
         </p:spPr>
@@ -1836,7 +1836,7 @@
           <a:p>
             <a:fld id="{B2F5E2FA-C428-4CE7-95B0-168D3259A5BB}" type="datetimeFigureOut">
               <a:rPr lang="en-US" smtClean="0"/>
-              <a:t>11/28/2021</a:t>
+              <a:t>2/17/2022</a:t>
             </a:fld>
             <a:endParaRPr lang="en-US"/>
           </a:p>
@@ -2087,7 +2087,7 @@
           <a:p>
             <a:fld id="{B2F5E2FA-C428-4CE7-95B0-168D3259A5BB}" type="datetimeFigureOut">
               <a:rPr lang="en-US" smtClean="0"/>
-              <a:t>11/28/2021</a:t>
+              <a:t>2/17/2022</a:t>
             </a:fld>
             <a:endParaRPr lang="en-US"/>
           </a:p>
@@ -2267,7 +2267,7 @@
           <a:p>
             <a:fld id="{B2F5E2FA-C428-4CE7-95B0-168D3259A5BB}" type="datetimeFigureOut">
               <a:rPr lang="en-US" smtClean="0"/>
-              <a:t>11/28/2021</a:t>
+              <a:t>2/17/2022</a:t>
             </a:fld>
             <a:endParaRPr lang="en-US"/>
           </a:p>
@@ -2513,7 +2513,7 @@
           <a:p>
             <a:fld id="{A88DAFA6-470F-4856-8C77-B0C2461EAD9C}" type="datetime1">
               <a:rPr lang="en-US" altLang="en-US" smtClean="0"/>
-              <a:t>11/28/2021</a:t>
+              <a:t>2/17/2022</a:t>
             </a:fld>
             <a:endParaRPr lang="en-US" altLang="en-US" dirty="0"/>
           </a:p>
@@ -2805,7 +2805,7 @@
           <a:p>
             <a:fld id="{B2F5E2FA-C428-4CE7-95B0-168D3259A5BB}" type="datetimeFigureOut">
               <a:rPr lang="en-US" smtClean="0"/>
-              <a:t>11/28/2021</a:t>
+              <a:t>2/17/2022</a:t>
             </a:fld>
             <a:endParaRPr lang="en-US"/>
           </a:p>
@@ -3150,7 +3150,7 @@
           <a:p>
             <a:fld id="{B2F5E2FA-C428-4CE7-95B0-168D3259A5BB}" type="datetimeFigureOut">
               <a:rPr lang="en-US" smtClean="0"/>
-              <a:t>11/28/2021</a:t>
+              <a:t>2/17/2022</a:t>
             </a:fld>
             <a:endParaRPr lang="en-US"/>
           </a:p>
@@ -3382,7 +3382,7 @@
           <a:p>
             <a:fld id="{B2F5E2FA-C428-4CE7-95B0-168D3259A5BB}" type="datetimeFigureOut">
               <a:rPr lang="en-US" smtClean="0"/>
-              <a:t>11/28/2021</a:t>
+              <a:t>2/17/2022</a:t>
             </a:fld>
             <a:endParaRPr lang="en-US"/>
           </a:p>
@@ -3749,7 +3749,7 @@
           <a:p>
             <a:fld id="{B2F5E2FA-C428-4CE7-95B0-168D3259A5BB}" type="datetimeFigureOut">
               <a:rPr lang="en-US" smtClean="0"/>
-              <a:t>11/28/2021</a:t>
+              <a:t>2/17/2022</a:t>
             </a:fld>
             <a:endParaRPr lang="en-US"/>
           </a:p>
@@ -3844,7 +3844,7 @@
           <a:p>
             <a:fld id="{B2F5E2FA-C428-4CE7-95B0-168D3259A5BB}" type="datetimeFigureOut">
               <a:rPr lang="en-US" smtClean="0"/>
-              <a:t>11/28/2021</a:t>
+              <a:t>2/17/2022</a:t>
             </a:fld>
             <a:endParaRPr lang="en-US"/>
           </a:p>
@@ -4067,7 +4067,7 @@
             <a:fld id="{B2F5E2FA-C428-4CE7-95B0-168D3259A5BB}" type="datetimeFigureOut">
               <a:rPr lang="en-US" smtClean="0"/>
               <a:pPr/>
-              <a:t>11/28/2021</a:t>
+              <a:t>2/17/2022</a:t>
             </a:fld>
             <a:endParaRPr lang="en-US"/>
           </a:p>
@@ -4238,7 +4238,7 @@
           <a:p>
             <a:fld id="{B2F5E2FA-C428-4CE7-95B0-168D3259A5BB}" type="datetimeFigureOut">
               <a:rPr lang="en-US" smtClean="0"/>
-              <a:t>11/28/2021</a:t>
+              <a:t>2/17/2022</a:t>
             </a:fld>
             <a:endParaRPr lang="en-US"/>
           </a:p>
@@ -4515,7 +4515,7 @@
           <a:p>
             <a:fld id="{B2F5E2FA-C428-4CE7-95B0-168D3259A5BB}" type="datetimeFigureOut">
               <a:rPr lang="en-US" smtClean="0"/>
-              <a:t>11/28/2021</a:t>
+              <a:t>2/17/2022</a:t>
             </a:fld>
             <a:endParaRPr lang="en-US"/>
           </a:p>
@@ -4768,7 +4768,7 @@
           <a:p>
             <a:fld id="{B2F5E2FA-C428-4CE7-95B0-168D3259A5BB}" type="datetimeFigureOut">
               <a:rPr lang="en-US" smtClean="0"/>
-              <a:t>11/28/2021</a:t>
+              <a:t>2/17/2022</a:t>
             </a:fld>
             <a:endParaRPr lang="en-US"/>
           </a:p>
@@ -4981,7 +4981,7 @@
           <a:p>
             <a:fld id="{B2F5E2FA-C428-4CE7-95B0-168D3259A5BB}" type="datetimeFigureOut">
               <a:rPr lang="en-US" smtClean="0"/>
-              <a:t>11/28/2021</a:t>
+              <a:t>2/17/2022</a:t>
             </a:fld>
             <a:endParaRPr lang="en-US"/>
           </a:p>
@@ -5429,7 +5429,6 @@
               <a:rPr lang="en-US"/>
               <a:t>SE401: Software Quality Assurance and Testing</a:t>
             </a:r>
-            <a:endParaRPr lang="en-US"/>
           </a:p>
         </p:txBody>
       </p:sp>
@@ -6496,8 +6495,8 @@
         </p:nvSpPr>
         <p:spPr>
           <a:xfrm>
-            <a:off x="838200" y="1690688"/>
-            <a:ext cx="10515600" cy="4600384"/>
+            <a:off x="508958" y="1431985"/>
+            <a:ext cx="10844842" cy="4859087"/>
           </a:xfrm>
         </p:spPr>
         <p:txBody>
@@ -8623,14 +8622,14 @@
           </a:ln>
           <a:extLst>
             <a:ext uri="{909E8E84-426E-40dd-AFC4-6F175D3DCCD1}">
-              <a14:hiddenFill xmlns="" xmlns:a14="http://schemas.microsoft.com/office/drawing/2010/main">
+              <a14:hiddenFill xmlns:a14="http://schemas.microsoft.com/office/drawing/2010/main" xmlns="">
                 <a:solidFill>
                   <a:srgbClr val="FFFFFF"/>
                 </a:solidFill>
               </a14:hiddenFill>
             </a:ext>
             <a:ext uri="{91240B29-F687-4f45-9708-019B960494DF}">
-              <a14:hiddenLine xmlns="" xmlns:a14="http://schemas.microsoft.com/office/drawing/2010/main" w="9525">
+              <a14:hiddenLine xmlns:a14="http://schemas.microsoft.com/office/drawing/2010/main" xmlns="" w="9525">
                 <a:solidFill>
                   <a:srgbClr val="000000"/>
                 </a:solidFill>
@@ -8784,14 +8783,14 @@
           </a:ln>
           <a:extLst>
             <a:ext uri="{909E8E84-426E-40dd-AFC4-6F175D3DCCD1}">
-              <a14:hiddenFill xmlns="" xmlns:a14="http://schemas.microsoft.com/office/drawing/2010/main">
+              <a14:hiddenFill xmlns:a14="http://schemas.microsoft.com/office/drawing/2010/main" xmlns="">
                 <a:solidFill>
                   <a:srgbClr val="FFFFFF"/>
                 </a:solidFill>
               </a14:hiddenFill>
             </a:ext>
             <a:ext uri="{91240B29-F687-4f45-9708-019B960494DF}">
-              <a14:hiddenLine xmlns="" xmlns:a14="http://schemas.microsoft.com/office/drawing/2010/main" w="9525">
+              <a14:hiddenLine xmlns:a14="http://schemas.microsoft.com/office/drawing/2010/main" xmlns="" w="9525">
                 <a:solidFill>
                   <a:srgbClr val="000000"/>
                 </a:solidFill>
@@ -8838,14 +8837,14 @@
           </a:ln>
           <a:extLst>
             <a:ext uri="{909E8E84-426E-40dd-AFC4-6F175D3DCCD1}">
-              <a14:hiddenFill xmlns="" xmlns:a14="http://schemas.microsoft.com/office/drawing/2010/main">
+              <a14:hiddenFill xmlns:a14="http://schemas.microsoft.com/office/drawing/2010/main" xmlns="">
                 <a:solidFill>
                   <a:srgbClr val="FFFFFF"/>
                 </a:solidFill>
               </a14:hiddenFill>
             </a:ext>
             <a:ext uri="{91240B29-F687-4f45-9708-019B960494DF}">
-              <a14:hiddenLine xmlns="" xmlns:a14="http://schemas.microsoft.com/office/drawing/2010/main" w="9525">
+              <a14:hiddenLine xmlns:a14="http://schemas.microsoft.com/office/drawing/2010/main" xmlns="" w="9525">
                 <a:solidFill>
                   <a:srgbClr val="000000"/>
                 </a:solidFill>
@@ -8892,14 +8891,14 @@
           </a:ln>
           <a:extLst>
             <a:ext uri="{909E8E84-426E-40dd-AFC4-6F175D3DCCD1}">
-              <a14:hiddenFill xmlns="" xmlns:a14="http://schemas.microsoft.com/office/drawing/2010/main">
+              <a14:hiddenFill xmlns:a14="http://schemas.microsoft.com/office/drawing/2010/main" xmlns="">
                 <a:solidFill>
                   <a:srgbClr val="FFFFFF"/>
                 </a:solidFill>
               </a14:hiddenFill>
             </a:ext>
             <a:ext uri="{91240B29-F687-4f45-9708-019B960494DF}">
-              <a14:hiddenLine xmlns="" xmlns:a14="http://schemas.microsoft.com/office/drawing/2010/main" w="9525">
+              <a14:hiddenLine xmlns:a14="http://schemas.microsoft.com/office/drawing/2010/main" xmlns="" w="9525">
                 <a:solidFill>
                   <a:srgbClr val="000000"/>
                 </a:solidFill>

--- a/SE401/Lectures/6-Unit Testing and Junit/Test Cases.pptx
+++ b/SE401/Lectures/6-Unit Testing and Junit/Test Cases.pptx
@@ -20,8 +20,8 @@
     <p:sldId id="265" r:id="rId11"/>
     <p:sldId id="266" r:id="rId12"/>
     <p:sldId id="267" r:id="rId13"/>
-    <p:sldId id="268" r:id="rId14"/>
-    <p:sldId id="269" r:id="rId15"/>
+    <p:sldId id="269" r:id="rId14"/>
+    <p:sldId id="268" r:id="rId15"/>
     <p:sldId id="270" r:id="rId16"/>
     <p:sldId id="271" r:id="rId17"/>
     <p:sldId id="272" r:id="rId18"/>
@@ -232,7 +232,7 @@
           <a:p>
             <a:fld id="{CFDFA0FC-3A8C-4702-9062-E5BC9F149477}" type="datetimeFigureOut">
               <a:rPr lang="en-US" smtClean="0"/>
-              <a:t>2/17/2022</a:t>
+              <a:t>2/23/2022</a:t>
             </a:fld>
             <a:endParaRPr lang="en-US"/>
           </a:p>
@@ -649,7 +649,7 @@
               <a:pPr>
                 <a:defRPr/>
               </a:pPr>
-              <a:t>14</a:t>
+              <a:t>13</a:t>
             </a:fld>
             <a:r>
               <a:rPr lang="en-US" dirty="0" smtClean="0"/>
@@ -703,7 +703,7 @@
           <a:ln/>
           <a:extLst>
             <a:ext uri="{FAA26D3D-D897-4be2-8F04-BA451C77F1D7}">
-              <ma14:placeholderFlag xmlns:ma14="http://schemas.microsoft.com/office/mac/drawingml/2011/main" xmlns="" val="1"/>
+              <ma14:placeholderFlag xmlns="" xmlns:ma14="http://schemas.microsoft.com/office/mac/drawingml/2011/main" val="1"/>
             </a:ext>
           </a:extLst>
         </p:spPr>
@@ -887,7 +887,7 @@
           <a:ln/>
           <a:extLst>
             <a:ext uri="{FAA26D3D-D897-4be2-8F04-BA451C77F1D7}">
-              <ma14:placeholderFlag xmlns:ma14="http://schemas.microsoft.com/office/mac/drawingml/2011/main" xmlns="" val="1"/>
+              <ma14:placeholderFlag xmlns="" xmlns:ma14="http://schemas.microsoft.com/office/mac/drawingml/2011/main" val="1"/>
             </a:ext>
           </a:extLst>
         </p:spPr>
@@ -1369,7 +1369,7 @@
           <a:ln/>
           <a:extLst>
             <a:ext uri="{FAA26D3D-D897-4be2-8F04-BA451C77F1D7}">
-              <ma14:placeholderFlag xmlns:ma14="http://schemas.microsoft.com/office/mac/drawingml/2011/main" xmlns="" val="1"/>
+              <ma14:placeholderFlag xmlns="" xmlns:ma14="http://schemas.microsoft.com/office/mac/drawingml/2011/main" val="1"/>
             </a:ext>
           </a:extLst>
         </p:spPr>
@@ -1551,7 +1551,7 @@
           <a:ln/>
           <a:extLst>
             <a:ext uri="{FAA26D3D-D897-4be2-8F04-BA451C77F1D7}">
-              <ma14:placeholderFlag xmlns:ma14="http://schemas.microsoft.com/office/mac/drawingml/2011/main" xmlns="" val="1"/>
+              <ma14:placeholderFlag xmlns="" xmlns:ma14="http://schemas.microsoft.com/office/mac/drawingml/2011/main" val="1"/>
             </a:ext>
           </a:extLst>
         </p:spPr>
@@ -1836,7 +1836,7 @@
           <a:p>
             <a:fld id="{B2F5E2FA-C428-4CE7-95B0-168D3259A5BB}" type="datetimeFigureOut">
               <a:rPr lang="en-US" smtClean="0"/>
-              <a:t>2/17/2022</a:t>
+              <a:t>2/23/2022</a:t>
             </a:fld>
             <a:endParaRPr lang="en-US"/>
           </a:p>
@@ -2087,7 +2087,7 @@
           <a:p>
             <a:fld id="{B2F5E2FA-C428-4CE7-95B0-168D3259A5BB}" type="datetimeFigureOut">
               <a:rPr lang="en-US" smtClean="0"/>
-              <a:t>2/17/2022</a:t>
+              <a:t>2/23/2022</a:t>
             </a:fld>
             <a:endParaRPr lang="en-US"/>
           </a:p>
@@ -2267,7 +2267,7 @@
           <a:p>
             <a:fld id="{B2F5E2FA-C428-4CE7-95B0-168D3259A5BB}" type="datetimeFigureOut">
               <a:rPr lang="en-US" smtClean="0"/>
-              <a:t>2/17/2022</a:t>
+              <a:t>2/23/2022</a:t>
             </a:fld>
             <a:endParaRPr lang="en-US"/>
           </a:p>
@@ -2513,7 +2513,7 @@
           <a:p>
             <a:fld id="{A88DAFA6-470F-4856-8C77-B0C2461EAD9C}" type="datetime1">
               <a:rPr lang="en-US" altLang="en-US" smtClean="0"/>
-              <a:t>2/17/2022</a:t>
+              <a:t>2/23/2022</a:t>
             </a:fld>
             <a:endParaRPr lang="en-US" altLang="en-US" dirty="0"/>
           </a:p>
@@ -2805,7 +2805,7 @@
           <a:p>
             <a:fld id="{B2F5E2FA-C428-4CE7-95B0-168D3259A5BB}" type="datetimeFigureOut">
               <a:rPr lang="en-US" smtClean="0"/>
-              <a:t>2/17/2022</a:t>
+              <a:t>2/23/2022</a:t>
             </a:fld>
             <a:endParaRPr lang="en-US"/>
           </a:p>
@@ -3150,7 +3150,7 @@
           <a:p>
             <a:fld id="{B2F5E2FA-C428-4CE7-95B0-168D3259A5BB}" type="datetimeFigureOut">
               <a:rPr lang="en-US" smtClean="0"/>
-              <a:t>2/17/2022</a:t>
+              <a:t>2/23/2022</a:t>
             </a:fld>
             <a:endParaRPr lang="en-US"/>
           </a:p>
@@ -3382,7 +3382,7 @@
           <a:p>
             <a:fld id="{B2F5E2FA-C428-4CE7-95B0-168D3259A5BB}" type="datetimeFigureOut">
               <a:rPr lang="en-US" smtClean="0"/>
-              <a:t>2/17/2022</a:t>
+              <a:t>2/23/2022</a:t>
             </a:fld>
             <a:endParaRPr lang="en-US"/>
           </a:p>
@@ -3749,7 +3749,7 @@
           <a:p>
             <a:fld id="{B2F5E2FA-C428-4CE7-95B0-168D3259A5BB}" type="datetimeFigureOut">
               <a:rPr lang="en-US" smtClean="0"/>
-              <a:t>2/17/2022</a:t>
+              <a:t>2/23/2022</a:t>
             </a:fld>
             <a:endParaRPr lang="en-US"/>
           </a:p>
@@ -3844,7 +3844,7 @@
           <a:p>
             <a:fld id="{B2F5E2FA-C428-4CE7-95B0-168D3259A5BB}" type="datetimeFigureOut">
               <a:rPr lang="en-US" smtClean="0"/>
-              <a:t>2/17/2022</a:t>
+              <a:t>2/23/2022</a:t>
             </a:fld>
             <a:endParaRPr lang="en-US"/>
           </a:p>
@@ -4067,7 +4067,7 @@
             <a:fld id="{B2F5E2FA-C428-4CE7-95B0-168D3259A5BB}" type="datetimeFigureOut">
               <a:rPr lang="en-US" smtClean="0"/>
               <a:pPr/>
-              <a:t>2/17/2022</a:t>
+              <a:t>2/23/2022</a:t>
             </a:fld>
             <a:endParaRPr lang="en-US"/>
           </a:p>
@@ -4238,7 +4238,7 @@
           <a:p>
             <a:fld id="{B2F5E2FA-C428-4CE7-95B0-168D3259A5BB}" type="datetimeFigureOut">
               <a:rPr lang="en-US" smtClean="0"/>
-              <a:t>2/17/2022</a:t>
+              <a:t>2/23/2022</a:t>
             </a:fld>
             <a:endParaRPr lang="en-US"/>
           </a:p>
@@ -4515,7 +4515,7 @@
           <a:p>
             <a:fld id="{B2F5E2FA-C428-4CE7-95B0-168D3259A5BB}" type="datetimeFigureOut">
               <a:rPr lang="en-US" smtClean="0"/>
-              <a:t>2/17/2022</a:t>
+              <a:t>2/23/2022</a:t>
             </a:fld>
             <a:endParaRPr lang="en-US"/>
           </a:p>
@@ -4768,7 +4768,7 @@
           <a:p>
             <a:fld id="{B2F5E2FA-C428-4CE7-95B0-168D3259A5BB}" type="datetimeFigureOut">
               <a:rPr lang="en-US" smtClean="0"/>
-              <a:t>2/17/2022</a:t>
+              <a:t>2/23/2022</a:t>
             </a:fld>
             <a:endParaRPr lang="en-US"/>
           </a:p>
@@ -4981,7 +4981,7 @@
           <a:p>
             <a:fld id="{B2F5E2FA-C428-4CE7-95B0-168D3259A5BB}" type="datetimeFigureOut">
               <a:rPr lang="en-US" smtClean="0"/>
-              <a:t>2/17/2022</a:t>
+              <a:t>2/23/2022</a:t>
             </a:fld>
             <a:endParaRPr lang="en-US"/>
           </a:p>
@@ -5506,7 +5506,11 @@
             </a:r>
             <a:r>
               <a:rPr lang="en-US" dirty="0"/>
-              <a:t>Value Analysis (BVA): </a:t>
+              <a:t>Value Analysis (BVA</a:t>
+            </a:r>
+            <a:r>
+              <a:rPr lang="en-US" dirty="0" smtClean="0"/>
+              <a:t>)</a:t>
             </a:r>
             <a:endParaRPr lang="en-US" dirty="0" smtClean="0"/>
           </a:p>
@@ -5633,8 +5637,8 @@
         </p:nvSpPr>
         <p:spPr>
           <a:xfrm>
-            <a:off x="838200" y="1690688"/>
-            <a:ext cx="10515600" cy="4665661"/>
+            <a:off x="439947" y="1414732"/>
+            <a:ext cx="11037053" cy="4941617"/>
           </a:xfrm>
         </p:spPr>
         <p:txBody>
@@ -6013,145 +6017,183 @@
             <p:ph idx="1"/>
           </p:nvPr>
         </p:nvSpPr>
-        <p:spPr>
-          <a:xfrm>
-            <a:off x="838200" y="1690688"/>
-            <a:ext cx="10515600" cy="4801552"/>
-          </a:xfrm>
-        </p:spPr>
+        <p:spPr/>
         <p:txBody>
           <a:bodyPr>
-            <a:normAutofit fontScale="92500" lnSpcReduction="10000"/>
+            <a:normAutofit lnSpcReduction="10000"/>
           </a:bodyPr>
           <a:lstStyle/>
           <a:p>
-            <a:pPr marL="0" indent="0">
+            <a:r>
+              <a:rPr lang="en-US" dirty="0" smtClean="0"/>
+              <a:t>Beware of problems with comparisons</a:t>
+            </a:r>
+          </a:p>
+          <a:p>
+            <a:pPr lvl="1"/>
+            <a:r>
+              <a:rPr lang="en-US" dirty="0" smtClean="0"/>
+              <a:t>How to compare two floating numbers</a:t>
+            </a:r>
+          </a:p>
+          <a:p>
+            <a:pPr lvl="2"/>
+            <a:r>
+              <a:rPr lang="en-US" dirty="0" smtClean="0"/>
+              <a:t>Never do the following:</a:t>
+            </a:r>
+            <a:br>
+              <a:rPr lang="en-US" dirty="0" smtClean="0"/>
+            </a:br>
+            <a:r>
+              <a:rPr lang="en-US" b="1" dirty="0" smtClean="0">
+                <a:latin typeface="Courier New"/>
+                <a:cs typeface="Courier New"/>
+              </a:rPr>
+              <a:t>float a, b;</a:t>
+            </a:r>
+            <a:br>
+              <a:rPr lang="en-US" b="1" dirty="0" smtClean="0">
+                <a:latin typeface="Courier New"/>
+                <a:cs typeface="Courier New"/>
+              </a:rPr>
+            </a:br>
+            <a:r>
+              <a:rPr lang="en-US" b="1" dirty="0" smtClean="0">
+                <a:latin typeface="Courier New"/>
+                <a:cs typeface="Courier New"/>
+              </a:rPr>
+              <a:t>. . .</a:t>
+            </a:r>
+            <a:br>
+              <a:rPr lang="en-US" b="1" dirty="0" smtClean="0">
+                <a:latin typeface="Courier New"/>
+                <a:cs typeface="Courier New"/>
+              </a:rPr>
+            </a:br>
+            <a:r>
+              <a:rPr lang="en-US" b="1" dirty="0" smtClean="0">
+                <a:latin typeface="Courier New"/>
+                <a:cs typeface="Courier New"/>
+              </a:rPr>
+              <a:t>if </a:t>
+            </a:r>
+            <a:r>
+              <a:rPr lang="en-US" b="1" dirty="0" smtClean="0">
+                <a:latin typeface="Courier New"/>
+                <a:cs typeface="Courier New"/>
+              </a:rPr>
+              <a:t>(a </a:t>
+            </a:r>
+            <a:r>
+              <a:rPr lang="en-US" b="1" dirty="0" smtClean="0">
+                <a:latin typeface="Courier New"/>
+                <a:cs typeface="Courier New"/>
+              </a:rPr>
+              <a:t>== b)</a:t>
+            </a:r>
+          </a:p>
+          <a:p>
+            <a:pPr lvl="2"/>
+            <a:r>
+              <a:rPr lang="en-US" dirty="0" smtClean="0"/>
+              <a:t>Is it 4.0000000  or 3.9999999 or 4.0000001 ?</a:t>
+            </a:r>
+          </a:p>
+          <a:p>
+            <a:pPr lvl="2"/>
+            <a:r>
+              <a:rPr lang="en-US" dirty="0" smtClean="0"/>
+              <a:t>What is your limit of accuracy?</a:t>
+            </a:r>
+          </a:p>
+          <a:p>
+            <a:pPr lvl="1"/>
+            <a:r>
+              <a:rPr lang="en-US" dirty="0" smtClean="0"/>
+              <a:t>In object oriented languages make sure whether you are comparing the contents of an object or the reference to an object</a:t>
+            </a:r>
+          </a:p>
+          <a:p>
+            <a:pPr marL="1200150" lvl="3" indent="0">
               <a:buNone/>
             </a:pPr>
             <a:r>
-              <a:rPr lang="en-US" sz="2300" dirty="0"/>
-              <a:t>Let’s consider the triangle example</a:t>
-            </a:r>
-          </a:p>
-          <a:p>
-            <a:r>
-              <a:rPr lang="en-US" sz="2300" dirty="0"/>
-              <a:t>Cover all possible valid input</a:t>
+              <a:rPr lang="en-US" b="1" dirty="0" smtClean="0">
+                <a:latin typeface="Courier New"/>
+                <a:cs typeface="Courier New"/>
+              </a:rPr>
+              <a:t>String a = “Hello world!\n”</a:t>
+            </a:r>
+          </a:p>
+          <a:p>
+            <a:pPr marL="1200150" lvl="3" indent="0">
+              <a:buNone/>
+            </a:pPr>
+            <a:r>
+              <a:rPr lang="en-US" b="1" dirty="0">
+                <a:latin typeface="Courier New"/>
+                <a:cs typeface="Courier New"/>
+              </a:rPr>
+              <a:t>String </a:t>
+            </a:r>
+            <a:r>
+              <a:rPr lang="en-US" b="1" dirty="0" smtClean="0">
+                <a:latin typeface="Courier New"/>
+                <a:cs typeface="Courier New"/>
+              </a:rPr>
+              <a:t>b </a:t>
+            </a:r>
+            <a:r>
+              <a:rPr lang="en-US" b="1" dirty="0">
+                <a:latin typeface="Courier New"/>
+                <a:cs typeface="Courier New"/>
+              </a:rPr>
+              <a:t>= “Hello world!\n”</a:t>
+            </a:r>
+          </a:p>
+          <a:p>
+            <a:pPr marL="1200150" lvl="3" indent="0">
+              <a:buNone/>
+            </a:pPr>
+            <a:r>
+              <a:rPr lang="en-US" b="1" dirty="0" smtClean="0">
+                <a:latin typeface="Courier New"/>
+                <a:cs typeface="Courier New"/>
+              </a:rPr>
+              <a:t>if ( a == b ) </a:t>
+            </a:r>
+          </a:p>
+          <a:p>
+            <a:pPr marL="1200150" lvl="3" indent="0">
+              <a:buNone/>
+            </a:pPr>
+            <a:r>
+              <a:rPr lang="en-US" dirty="0" smtClean="0">
+                <a:cs typeface="Courier New"/>
+              </a:rPr>
+              <a:t>vs.</a:t>
+            </a:r>
+          </a:p>
+          <a:p>
+            <a:pPr marL="1200150" lvl="3" indent="0">
+              <a:buNone/>
+            </a:pPr>
+            <a:r>
+              <a:rPr lang="en-US" b="1" dirty="0" smtClean="0">
+                <a:latin typeface="Courier New"/>
+                <a:cs typeface="Courier New"/>
+              </a:rPr>
+              <a:t>if ( a.equals(b) )</a:t>
             </a:r>
           </a:p>
           <a:p>
             <a:pPr lvl="1"/>
-            <a:r>
-              <a:rPr lang="en-US" sz="2100" dirty="0" smtClean="0"/>
-              <a:t>all three possible conditions: </a:t>
-            </a:r>
-            <a:r>
-              <a:rPr lang="en-US" sz="2100" b="1" dirty="0" smtClean="0"/>
-              <a:t>equilateral, isosceles, scalene</a:t>
-            </a:r>
-          </a:p>
-          <a:p>
-            <a:pPr lvl="1"/>
-            <a:r>
-              <a:rPr lang="en-US" sz="2100" dirty="0" smtClean="0"/>
-              <a:t>Try multiple sets of values, not just one set of values</a:t>
-            </a:r>
-          </a:p>
-          <a:p>
-            <a:pPr lvl="1"/>
-            <a:r>
-              <a:rPr lang="en-US" sz="2100" dirty="0" smtClean="0"/>
-              <a:t>Permutations of values </a:t>
-            </a:r>
-            <a:r>
-              <a:rPr lang="en-US" sz="2100" b="1" dirty="0" smtClean="0"/>
-              <a:t>{3,4,5}, {4,3,5}, {5,4,3}</a:t>
-            </a:r>
-          </a:p>
-          <a:p>
-            <a:r>
-              <a:rPr lang="en-US" sz="2300" dirty="0"/>
-              <a:t>Check boundary conditions</a:t>
-            </a:r>
-          </a:p>
-          <a:p>
-            <a:pPr lvl="1"/>
-            <a:r>
-              <a:rPr lang="en-US" sz="2100" dirty="0" smtClean="0"/>
-              <a:t>Check for off-by-one conditions: </a:t>
-            </a:r>
-            <a:r>
-              <a:rPr lang="en-US" sz="2100" b="1" dirty="0" smtClean="0"/>
-              <a:t>0, MAX_INT</a:t>
-            </a:r>
-          </a:p>
-          <a:p>
-            <a:r>
-              <a:rPr lang="en-US" sz="2300" dirty="0"/>
-              <a:t>Check invalid input</a:t>
-            </a:r>
-          </a:p>
-          <a:p>
-            <a:pPr lvl="1"/>
-            <a:r>
-              <a:rPr lang="en-US" sz="2100" dirty="0" smtClean="0"/>
-              <a:t>Illegal sets of value</a:t>
-            </a:r>
+            <a:endParaRPr lang="en-US" dirty="0" smtClean="0"/>
           </a:p>
           <a:p>
             <a:pPr lvl="2"/>
-            <a:r>
-              <a:rPr lang="en-US" sz="1900" dirty="0" smtClean="0"/>
-              <a:t>Wrong format: </a:t>
-            </a:r>
-            <a:r>
-              <a:rPr lang="en-US" sz="1900" b="1" dirty="0" smtClean="0"/>
-              <a:t>not integer</a:t>
-            </a:r>
-          </a:p>
-          <a:p>
-            <a:pPr lvl="2"/>
-            <a:r>
-              <a:rPr lang="en-US" sz="1900" dirty="0" smtClean="0"/>
-              <a:t>Negative numbers</a:t>
-            </a:r>
-          </a:p>
-          <a:p>
-            <a:pPr lvl="1"/>
-            <a:r>
-              <a:rPr lang="en-US" sz="2100" dirty="0" smtClean="0"/>
-              <a:t>Illegal input</a:t>
-            </a:r>
-          </a:p>
-          <a:p>
-            <a:pPr lvl="2"/>
-            <a:r>
-              <a:rPr lang="en-US" sz="1900" dirty="0" smtClean="0"/>
-              <a:t>Impossible conditions:  </a:t>
-            </a:r>
-            <a:r>
-              <a:rPr lang="en-US" sz="1900" b="1" dirty="0" smtClean="0"/>
-              <a:t>{2,3,8}, {2,3,5}  </a:t>
-            </a:r>
-            <a:r>
-              <a:rPr lang="en-US" sz="1900" dirty="0" smtClean="0"/>
-              <a:t>{definition of a triangle}</a:t>
-            </a:r>
-          </a:p>
-          <a:p>
-            <a:pPr lvl="1"/>
-            <a:r>
-              <a:rPr lang="en-US" sz="2100" dirty="0" smtClean="0"/>
-              <a:t>Totally bad input</a:t>
-            </a:r>
-          </a:p>
-          <a:p>
-            <a:pPr lvl="2"/>
-            <a:r>
-              <a:rPr lang="en-US" sz="1900" dirty="0" smtClean="0"/>
-              <a:t>Text vs. Numbers, etc.</a:t>
-            </a:r>
-            <a:endParaRPr lang="en-US" sz="1900" dirty="0"/>
+            <a:endParaRPr lang="en-US" dirty="0" smtClean="0"/>
           </a:p>
         </p:txBody>
       </p:sp>
@@ -6181,7 +6223,7 @@
     </p:spTree>
     <p:extLst>
       <p:ext uri="{BB962C8B-B14F-4D97-AF65-F5344CB8AC3E}">
-        <p14:creationId xmlns:p14="http://schemas.microsoft.com/office/powerpoint/2010/main" val="3812730403"/>
+        <p14:creationId xmlns:p14="http://schemas.microsoft.com/office/powerpoint/2010/main" val="1883201961"/>
       </p:ext>
     </p:extLst>
   </p:cSld>
@@ -6241,169 +6283,145 @@
             <p:ph idx="1"/>
           </p:nvPr>
         </p:nvSpPr>
-        <p:spPr/>
+        <p:spPr>
+          <a:xfrm>
+            <a:off x="543464" y="1380226"/>
+            <a:ext cx="10810336" cy="5112014"/>
+          </a:xfrm>
+        </p:spPr>
         <p:txBody>
           <a:bodyPr>
-            <a:normAutofit lnSpcReduction="10000"/>
+            <a:normAutofit fontScale="92500" lnSpcReduction="10000"/>
           </a:bodyPr>
           <a:lstStyle/>
           <a:p>
-            <a:r>
-              <a:rPr lang="en-US" dirty="0" smtClean="0"/>
-              <a:t>Beware of problems with comparisons</a:t>
-            </a:r>
-          </a:p>
-          <a:p>
-            <a:pPr lvl="1"/>
-            <a:r>
-              <a:rPr lang="en-US" dirty="0" smtClean="0"/>
-              <a:t>How to compare two floating numbers</a:t>
-            </a:r>
-          </a:p>
-          <a:p>
-            <a:pPr lvl="2"/>
-            <a:r>
-              <a:rPr lang="en-US" dirty="0" smtClean="0"/>
-              <a:t>Never do the following:</a:t>
-            </a:r>
-            <a:br>
-              <a:rPr lang="en-US" dirty="0" smtClean="0"/>
-            </a:br>
-            <a:r>
-              <a:rPr lang="en-US" b="1" dirty="0" smtClean="0">
-                <a:latin typeface="Courier New"/>
-                <a:cs typeface="Courier New"/>
-              </a:rPr>
-              <a:t>float a, b;</a:t>
-            </a:r>
-            <a:br>
-              <a:rPr lang="en-US" b="1" dirty="0" smtClean="0">
-                <a:latin typeface="Courier New"/>
-                <a:cs typeface="Courier New"/>
-              </a:rPr>
-            </a:br>
-            <a:r>
-              <a:rPr lang="en-US" b="1" dirty="0" smtClean="0">
-                <a:latin typeface="Courier New"/>
-                <a:cs typeface="Courier New"/>
-              </a:rPr>
-              <a:t>. . .</a:t>
-            </a:r>
-            <a:br>
-              <a:rPr lang="en-US" b="1" dirty="0" smtClean="0">
-                <a:latin typeface="Courier New"/>
-                <a:cs typeface="Courier New"/>
-              </a:rPr>
-            </a:br>
-            <a:r>
-              <a:rPr lang="en-US" b="1" dirty="0" smtClean="0">
-                <a:latin typeface="Courier New"/>
-                <a:cs typeface="Courier New"/>
-              </a:rPr>
-              <a:t>if ( a == b)</a:t>
-            </a:r>
-          </a:p>
-          <a:p>
-            <a:pPr lvl="2"/>
-            <a:r>
-              <a:rPr lang="en-US" dirty="0" smtClean="0"/>
-              <a:t>Is it 4.0000000  or 3.9999999 or 4.0000001 ?</a:t>
-            </a:r>
-          </a:p>
-          <a:p>
-            <a:pPr lvl="2"/>
-            <a:r>
-              <a:rPr lang="en-US" dirty="0" smtClean="0"/>
-              <a:t>What is your limit of accuracy?</a:t>
-            </a:r>
-          </a:p>
-          <a:p>
-            <a:pPr lvl="1"/>
-            <a:r>
-              <a:rPr lang="en-US" dirty="0" smtClean="0"/>
-              <a:t>In object oriented languages make sure whether you are comparing the contents of an object or the reference to an object</a:t>
-            </a:r>
-          </a:p>
-          <a:p>
-            <a:pPr marL="1200150" lvl="3" indent="0">
+            <a:pPr marL="0" indent="0">
               <a:buNone/>
             </a:pPr>
             <a:r>
-              <a:rPr lang="en-US" b="1" dirty="0" smtClean="0">
-                <a:latin typeface="Courier New"/>
-                <a:cs typeface="Courier New"/>
-              </a:rPr>
-              <a:t>String a = “Hello world!\n”</a:t>
-            </a:r>
-          </a:p>
-          <a:p>
-            <a:pPr marL="1200150" lvl="3" indent="0">
-              <a:buNone/>
-            </a:pPr>
-            <a:r>
-              <a:rPr lang="en-US" b="1" dirty="0">
-                <a:latin typeface="Courier New"/>
-                <a:cs typeface="Courier New"/>
-              </a:rPr>
-              <a:t>String </a:t>
-            </a:r>
-            <a:r>
-              <a:rPr lang="en-US" b="1" dirty="0" smtClean="0">
-                <a:latin typeface="Courier New"/>
-                <a:cs typeface="Courier New"/>
-              </a:rPr>
-              <a:t>b </a:t>
-            </a:r>
-            <a:r>
-              <a:rPr lang="en-US" b="1" dirty="0">
-                <a:latin typeface="Courier New"/>
-                <a:cs typeface="Courier New"/>
-              </a:rPr>
-              <a:t>= “Hello world!\n”</a:t>
-            </a:r>
-          </a:p>
-          <a:p>
-            <a:pPr marL="1200150" lvl="3" indent="0">
-              <a:buNone/>
-            </a:pPr>
-            <a:r>
-              <a:rPr lang="en-US" b="1" dirty="0" smtClean="0">
-                <a:latin typeface="Courier New"/>
-                <a:cs typeface="Courier New"/>
-              </a:rPr>
-              <a:t>if ( a == b ) </a:t>
-            </a:r>
-          </a:p>
-          <a:p>
-            <a:pPr marL="1200150" lvl="3" indent="0">
-              <a:buNone/>
-            </a:pPr>
-            <a:r>
-              <a:rPr lang="en-US" dirty="0" smtClean="0">
-                <a:cs typeface="Courier New"/>
-              </a:rPr>
-              <a:t>vs.</a:t>
-            </a:r>
-          </a:p>
-          <a:p>
-            <a:pPr marL="1200150" lvl="3" indent="0">
-              <a:buNone/>
-            </a:pPr>
-            <a:r>
-              <a:rPr lang="en-US" b="1" dirty="0" smtClean="0">
-                <a:latin typeface="Courier New"/>
-                <a:cs typeface="Courier New"/>
-              </a:rPr>
-              <a:t>if ( a.equals(b) )</a:t>
+              <a:rPr lang="en-US" sz="2500" dirty="0"/>
+              <a:t>Let’s consider the triangle example</a:t>
+            </a:r>
+          </a:p>
+          <a:p>
+            <a:r>
+              <a:rPr lang="en-US" sz="2400" dirty="0"/>
+              <a:t>Cover all possible valid input</a:t>
             </a:r>
           </a:p>
           <a:p>
             <a:pPr lvl="1"/>
-            <a:endParaRPr lang="en-US" dirty="0" smtClean="0"/>
+            <a:r>
+              <a:rPr lang="en-US" sz="2200" dirty="0" smtClean="0"/>
+              <a:t>all three possible conditions: </a:t>
+            </a:r>
+            <a:r>
+              <a:rPr lang="en-US" sz="2200" b="1" dirty="0" smtClean="0"/>
+              <a:t>equilateral, isosceles, scalene</a:t>
+            </a:r>
+          </a:p>
+          <a:p>
+            <a:pPr lvl="1"/>
+            <a:r>
+              <a:rPr lang="en-US" sz="2200" dirty="0" smtClean="0"/>
+              <a:t>Try multiple sets of values, not just one set of values</a:t>
+            </a:r>
+          </a:p>
+          <a:p>
+            <a:pPr lvl="1"/>
+            <a:r>
+              <a:rPr lang="en-US" sz="2200" dirty="0" smtClean="0"/>
+              <a:t>Permutations of values </a:t>
+            </a:r>
+            <a:r>
+              <a:rPr lang="en-US" sz="2200" b="1" dirty="0" smtClean="0"/>
+              <a:t>{3,4,5}, {4,3,5}, {5,4,3}</a:t>
+            </a:r>
+          </a:p>
+          <a:p>
+            <a:r>
+              <a:rPr lang="en-US" sz="2400" dirty="0"/>
+              <a:t>Check boundary conditions</a:t>
+            </a:r>
+          </a:p>
+          <a:p>
+            <a:pPr lvl="1"/>
+            <a:r>
+              <a:rPr lang="en-US" sz="2200" dirty="0" smtClean="0"/>
+              <a:t>Check for off-by-one conditions: </a:t>
+            </a:r>
+            <a:r>
+              <a:rPr lang="en-US" sz="2200" b="1" dirty="0" smtClean="0"/>
+              <a:t>0, MAX_INT</a:t>
+            </a:r>
+          </a:p>
+          <a:p>
+            <a:r>
+              <a:rPr lang="en-US" sz="2400" dirty="0"/>
+              <a:t>Check invalid input</a:t>
+            </a:r>
+          </a:p>
+          <a:p>
+            <a:pPr lvl="1"/>
+            <a:r>
+              <a:rPr lang="en-US" sz="2200" dirty="0" smtClean="0"/>
+              <a:t>Illegal sets of value</a:t>
+            </a:r>
           </a:p>
           <a:p>
             <a:pPr lvl="2"/>
-            <a:endParaRPr lang="en-US" dirty="0" smtClean="0"/>
+            <a:r>
+              <a:rPr lang="en-US" sz="1900" dirty="0" smtClean="0"/>
+              <a:t>Wrong format: </a:t>
+            </a:r>
+            <a:r>
+              <a:rPr lang="en-US" sz="1900" b="1" dirty="0" smtClean="0"/>
+              <a:t>not integer</a:t>
+            </a:r>
+          </a:p>
+          <a:p>
+            <a:pPr lvl="2"/>
+            <a:r>
+              <a:rPr lang="en-US" sz="1900" dirty="0" smtClean="0"/>
+              <a:t>Negative numbers</a:t>
+            </a:r>
+          </a:p>
+          <a:p>
+            <a:pPr lvl="1"/>
+            <a:r>
+              <a:rPr lang="en-US" sz="2200" dirty="0" smtClean="0"/>
+              <a:t>Illegal input</a:t>
+            </a:r>
+          </a:p>
+          <a:p>
+            <a:pPr lvl="2"/>
+            <a:r>
+              <a:rPr lang="en-US" sz="1900" dirty="0" smtClean="0"/>
+              <a:t>Impossible conditions:  </a:t>
+            </a:r>
+            <a:r>
+              <a:rPr lang="en-US" sz="1900" b="1" dirty="0" smtClean="0"/>
+              <a:t>{2,3,8}, {2,3,5}  </a:t>
+            </a:r>
+            <a:r>
+              <a:rPr lang="en-US" sz="1900" dirty="0" smtClean="0"/>
+              <a:t>{definition of a triangle}</a:t>
+            </a:r>
+          </a:p>
+          <a:p>
+            <a:pPr lvl="1"/>
+            <a:r>
+              <a:rPr lang="en-US" sz="2200" dirty="0" smtClean="0"/>
+              <a:t>Totally bad input</a:t>
+            </a:r>
+          </a:p>
+          <a:p>
+            <a:pPr lvl="2"/>
+            <a:r>
+              <a:rPr lang="en-US" sz="1900" dirty="0" smtClean="0"/>
+              <a:t>Text vs. Numbers, etc.</a:t>
+            </a:r>
+            <a:endParaRPr lang="en-US" sz="1900" dirty="0"/>
           </a:p>
         </p:txBody>
       </p:sp>
@@ -6433,7 +6451,7 @@
     </p:spTree>
     <p:extLst>
       <p:ext uri="{BB962C8B-B14F-4D97-AF65-F5344CB8AC3E}">
-        <p14:creationId xmlns:p14="http://schemas.microsoft.com/office/powerpoint/2010/main" val="1883201961"/>
+        <p14:creationId xmlns:p14="http://schemas.microsoft.com/office/powerpoint/2010/main" val="3812730403"/>
       </p:ext>
     </p:extLst>
   </p:cSld>
@@ -7638,13 +7656,13 @@
         </p:nvSpPr>
         <p:spPr>
           <a:xfrm>
-            <a:off x="838200" y="1825624"/>
-            <a:ext cx="10515600" cy="4530725"/>
+            <a:off x="508958" y="1406106"/>
+            <a:ext cx="10844842" cy="4950243"/>
           </a:xfrm>
         </p:spPr>
         <p:txBody>
           <a:bodyPr>
-            <a:normAutofit fontScale="92500" lnSpcReduction="10000"/>
+            <a:normAutofit fontScale="92500"/>
           </a:bodyPr>
           <a:lstStyle/>
           <a:p>
@@ -8091,8 +8109,12 @@
           <a:lstStyle/>
           <a:p>
             <a:r>
+              <a:rPr lang="en-US" sz="3400" dirty="0" smtClean="0"/>
+              <a:t>From </a:t>
+            </a:r>
+            <a:r>
               <a:rPr lang="en-US" sz="3400" dirty="0"/>
-              <a:t>Generation: From Test Case Specifications to Test Cases</a:t>
+              <a:t>Test Case Specifications to Test Cases</a:t>
             </a:r>
           </a:p>
         </p:txBody>
@@ -8233,8 +8255,8 @@
         </p:nvSpPr>
         <p:spPr>
           <a:xfrm>
-            <a:off x="838200" y="1825625"/>
-            <a:ext cx="10756392" cy="4351338"/>
+            <a:off x="474453" y="1440611"/>
+            <a:ext cx="11120139" cy="4736352"/>
           </a:xfrm>
         </p:spPr>
         <p:txBody>
@@ -8622,14 +8644,14 @@
           </a:ln>
           <a:extLst>
             <a:ext uri="{909E8E84-426E-40dd-AFC4-6F175D3DCCD1}">
-              <a14:hiddenFill xmlns:a14="http://schemas.microsoft.com/office/drawing/2010/main" xmlns="">
+              <a14:hiddenFill xmlns="" xmlns:a14="http://schemas.microsoft.com/office/drawing/2010/main">
                 <a:solidFill>
                   <a:srgbClr val="FFFFFF"/>
                 </a:solidFill>
               </a14:hiddenFill>
             </a:ext>
             <a:ext uri="{91240B29-F687-4f45-9708-019B960494DF}">
-              <a14:hiddenLine xmlns:a14="http://schemas.microsoft.com/office/drawing/2010/main" xmlns="" w="9525">
+              <a14:hiddenLine xmlns="" xmlns:a14="http://schemas.microsoft.com/office/drawing/2010/main" w="9525">
                 <a:solidFill>
                   <a:srgbClr val="000000"/>
                 </a:solidFill>
@@ -8783,14 +8805,14 @@
           </a:ln>
           <a:extLst>
             <a:ext uri="{909E8E84-426E-40dd-AFC4-6F175D3DCCD1}">
-              <a14:hiddenFill xmlns:a14="http://schemas.microsoft.com/office/drawing/2010/main" xmlns="">
+              <a14:hiddenFill xmlns="" xmlns:a14="http://schemas.microsoft.com/office/drawing/2010/main">
                 <a:solidFill>
                   <a:srgbClr val="FFFFFF"/>
                 </a:solidFill>
               </a14:hiddenFill>
             </a:ext>
             <a:ext uri="{91240B29-F687-4f45-9708-019B960494DF}">
-              <a14:hiddenLine xmlns:a14="http://schemas.microsoft.com/office/drawing/2010/main" xmlns="" w="9525">
+              <a14:hiddenLine xmlns="" xmlns:a14="http://schemas.microsoft.com/office/drawing/2010/main" w="9525">
                 <a:solidFill>
                   <a:srgbClr val="000000"/>
                 </a:solidFill>
@@ -8837,14 +8859,14 @@
           </a:ln>
           <a:extLst>
             <a:ext uri="{909E8E84-426E-40dd-AFC4-6F175D3DCCD1}">
-              <a14:hiddenFill xmlns:a14="http://schemas.microsoft.com/office/drawing/2010/main" xmlns="">
+              <a14:hiddenFill xmlns="" xmlns:a14="http://schemas.microsoft.com/office/drawing/2010/main">
                 <a:solidFill>
                   <a:srgbClr val="FFFFFF"/>
                 </a:solidFill>
               </a14:hiddenFill>
             </a:ext>
             <a:ext uri="{91240B29-F687-4f45-9708-019B960494DF}">
-              <a14:hiddenLine xmlns:a14="http://schemas.microsoft.com/office/drawing/2010/main" xmlns="" w="9525">
+              <a14:hiddenLine xmlns="" xmlns:a14="http://schemas.microsoft.com/office/drawing/2010/main" w="9525">
                 <a:solidFill>
                   <a:srgbClr val="000000"/>
                 </a:solidFill>
@@ -8891,14 +8913,14 @@
           </a:ln>
           <a:extLst>
             <a:ext uri="{909E8E84-426E-40dd-AFC4-6F175D3DCCD1}">
-              <a14:hiddenFill xmlns:a14="http://schemas.microsoft.com/office/drawing/2010/main" xmlns="">
+              <a14:hiddenFill xmlns="" xmlns:a14="http://schemas.microsoft.com/office/drawing/2010/main">
                 <a:solidFill>
                   <a:srgbClr val="FFFFFF"/>
                 </a:solidFill>
               </a14:hiddenFill>
             </a:ext>
             <a:ext uri="{91240B29-F687-4f45-9708-019B960494DF}">
-              <a14:hiddenLine xmlns:a14="http://schemas.microsoft.com/office/drawing/2010/main" xmlns="" w="9525">
+              <a14:hiddenLine xmlns="" xmlns:a14="http://schemas.microsoft.com/office/drawing/2010/main" w="9525">
                 <a:solidFill>
                   <a:srgbClr val="000000"/>
                 </a:solidFill>
@@ -11384,8 +11406,13 @@
             </a:r>
             <a:r>
               <a:rPr lang="en-US" dirty="0"/>
-              <a:t>Cases need to be simple and transparent:</a:t>
-            </a:r>
+              <a:t>Cases need to be simple and </a:t>
+            </a:r>
+            <a:r>
+              <a:rPr lang="en-US" dirty="0" smtClean="0"/>
+              <a:t>transparent</a:t>
+            </a:r>
+            <a:endParaRPr lang="en-US" dirty="0"/>
           </a:p>
           <a:p>
             <a:r>
@@ -11409,8 +11436,13 @@
             </a:r>
             <a:r>
               <a:rPr lang="en-US" dirty="0"/>
-              <a:t>test case repetition.</a:t>
-            </a:r>
+              <a:t>test case </a:t>
+            </a:r>
+            <a:r>
+              <a:rPr lang="en-US" dirty="0" smtClean="0"/>
+              <a:t>repetition</a:t>
+            </a:r>
+            <a:endParaRPr lang="en-US" dirty="0"/>
           </a:p>
           <a:p>
             <a:r>
@@ -11463,7 +11495,11 @@
             <a:pPr lvl="1"/>
             <a:r>
               <a:rPr lang="en-US" dirty="0"/>
-              <a:t>It's not possible to check every possible condition in your software application. </a:t>
+              <a:t>It's not possible to check every possible condition in your software </a:t>
+            </a:r>
+            <a:r>
+              <a:rPr lang="en-US" dirty="0" smtClean="0"/>
+              <a:t>application</a:t>
             </a:r>
             <a:endParaRPr lang="en-US" dirty="0" smtClean="0"/>
           </a:p>
@@ -11475,8 +11511,13 @@
             </a:r>
             <a:r>
               <a:rPr lang="en-US" dirty="0"/>
-              <a:t>techniques help you select a few test cases with the maximum possibility of finding a defect.</a:t>
-            </a:r>
+              <a:t>techniques help you select a few test cases with the maximum possibility of finding a </a:t>
+            </a:r>
+            <a:r>
+              <a:rPr lang="en-US" dirty="0" smtClean="0"/>
+              <a:t>defect</a:t>
+            </a:r>
+            <a:endParaRPr lang="en-US" dirty="0"/>
           </a:p>
         </p:txBody>
       </p:sp>

--- a/SE401/Lectures/6-Unit Testing and Junit/Test Cases.pptx
+++ b/SE401/Lectures/6-Unit Testing and Junit/Test Cases.pptx
@@ -232,7 +232,7 @@
           <a:p>
             <a:fld id="{CFDFA0FC-3A8C-4702-9062-E5BC9F149477}" type="datetimeFigureOut">
               <a:rPr lang="en-US" smtClean="0"/>
-              <a:t>2/23/2022</a:t>
+              <a:t>2/28/2022</a:t>
             </a:fld>
             <a:endParaRPr lang="en-US"/>
           </a:p>
@@ -703,7 +703,7 @@
           <a:ln/>
           <a:extLst>
             <a:ext uri="{FAA26D3D-D897-4be2-8F04-BA451C77F1D7}">
-              <ma14:placeholderFlag xmlns="" xmlns:ma14="http://schemas.microsoft.com/office/mac/drawingml/2011/main" val="1"/>
+              <ma14:placeholderFlag xmlns:ma14="http://schemas.microsoft.com/office/mac/drawingml/2011/main" xmlns="" val="1"/>
             </a:ext>
           </a:extLst>
         </p:spPr>
@@ -887,7 +887,7 @@
           <a:ln/>
           <a:extLst>
             <a:ext uri="{FAA26D3D-D897-4be2-8F04-BA451C77F1D7}">
-              <ma14:placeholderFlag xmlns="" xmlns:ma14="http://schemas.microsoft.com/office/mac/drawingml/2011/main" val="1"/>
+              <ma14:placeholderFlag xmlns:ma14="http://schemas.microsoft.com/office/mac/drawingml/2011/main" xmlns="" val="1"/>
             </a:ext>
           </a:extLst>
         </p:spPr>
@@ -1369,7 +1369,7 @@
           <a:ln/>
           <a:extLst>
             <a:ext uri="{FAA26D3D-D897-4be2-8F04-BA451C77F1D7}">
-              <ma14:placeholderFlag xmlns="" xmlns:ma14="http://schemas.microsoft.com/office/mac/drawingml/2011/main" val="1"/>
+              <ma14:placeholderFlag xmlns:ma14="http://schemas.microsoft.com/office/mac/drawingml/2011/main" xmlns="" val="1"/>
             </a:ext>
           </a:extLst>
         </p:spPr>
@@ -1551,7 +1551,7 @@
           <a:ln/>
           <a:extLst>
             <a:ext uri="{FAA26D3D-D897-4be2-8F04-BA451C77F1D7}">
-              <ma14:placeholderFlag xmlns="" xmlns:ma14="http://schemas.microsoft.com/office/mac/drawingml/2011/main" val="1"/>
+              <ma14:placeholderFlag xmlns:ma14="http://schemas.microsoft.com/office/mac/drawingml/2011/main" xmlns="" val="1"/>
             </a:ext>
           </a:extLst>
         </p:spPr>
@@ -1836,7 +1836,7 @@
           <a:p>
             <a:fld id="{B2F5E2FA-C428-4CE7-95B0-168D3259A5BB}" type="datetimeFigureOut">
               <a:rPr lang="en-US" smtClean="0"/>
-              <a:t>2/23/2022</a:t>
+              <a:t>2/28/2022</a:t>
             </a:fld>
             <a:endParaRPr lang="en-US"/>
           </a:p>
@@ -2087,7 +2087,7 @@
           <a:p>
             <a:fld id="{B2F5E2FA-C428-4CE7-95B0-168D3259A5BB}" type="datetimeFigureOut">
               <a:rPr lang="en-US" smtClean="0"/>
-              <a:t>2/23/2022</a:t>
+              <a:t>2/28/2022</a:t>
             </a:fld>
             <a:endParaRPr lang="en-US"/>
           </a:p>
@@ -2267,7 +2267,7 @@
           <a:p>
             <a:fld id="{B2F5E2FA-C428-4CE7-95B0-168D3259A5BB}" type="datetimeFigureOut">
               <a:rPr lang="en-US" smtClean="0"/>
-              <a:t>2/23/2022</a:t>
+              <a:t>2/28/2022</a:t>
             </a:fld>
             <a:endParaRPr lang="en-US"/>
           </a:p>
@@ -2513,7 +2513,7 @@
           <a:p>
             <a:fld id="{A88DAFA6-470F-4856-8C77-B0C2461EAD9C}" type="datetime1">
               <a:rPr lang="en-US" altLang="en-US" smtClean="0"/>
-              <a:t>2/23/2022</a:t>
+              <a:t>2/28/2022</a:t>
             </a:fld>
             <a:endParaRPr lang="en-US" altLang="en-US" dirty="0"/>
           </a:p>
@@ -2805,7 +2805,7 @@
           <a:p>
             <a:fld id="{B2F5E2FA-C428-4CE7-95B0-168D3259A5BB}" type="datetimeFigureOut">
               <a:rPr lang="en-US" smtClean="0"/>
-              <a:t>2/23/2022</a:t>
+              <a:t>2/28/2022</a:t>
             </a:fld>
             <a:endParaRPr lang="en-US"/>
           </a:p>
@@ -3150,7 +3150,7 @@
           <a:p>
             <a:fld id="{B2F5E2FA-C428-4CE7-95B0-168D3259A5BB}" type="datetimeFigureOut">
               <a:rPr lang="en-US" smtClean="0"/>
-              <a:t>2/23/2022</a:t>
+              <a:t>2/28/2022</a:t>
             </a:fld>
             <a:endParaRPr lang="en-US"/>
           </a:p>
@@ -3382,7 +3382,7 @@
           <a:p>
             <a:fld id="{B2F5E2FA-C428-4CE7-95B0-168D3259A5BB}" type="datetimeFigureOut">
               <a:rPr lang="en-US" smtClean="0"/>
-              <a:t>2/23/2022</a:t>
+              <a:t>2/28/2022</a:t>
             </a:fld>
             <a:endParaRPr lang="en-US"/>
           </a:p>
@@ -3749,7 +3749,7 @@
           <a:p>
             <a:fld id="{B2F5E2FA-C428-4CE7-95B0-168D3259A5BB}" type="datetimeFigureOut">
               <a:rPr lang="en-US" smtClean="0"/>
-              <a:t>2/23/2022</a:t>
+              <a:t>2/28/2022</a:t>
             </a:fld>
             <a:endParaRPr lang="en-US"/>
           </a:p>
@@ -3844,7 +3844,7 @@
           <a:p>
             <a:fld id="{B2F5E2FA-C428-4CE7-95B0-168D3259A5BB}" type="datetimeFigureOut">
               <a:rPr lang="en-US" smtClean="0"/>
-              <a:t>2/23/2022</a:t>
+              <a:t>2/28/2022</a:t>
             </a:fld>
             <a:endParaRPr lang="en-US"/>
           </a:p>
@@ -4067,7 +4067,7 @@
             <a:fld id="{B2F5E2FA-C428-4CE7-95B0-168D3259A5BB}" type="datetimeFigureOut">
               <a:rPr lang="en-US" smtClean="0"/>
               <a:pPr/>
-              <a:t>2/23/2022</a:t>
+              <a:t>2/28/2022</a:t>
             </a:fld>
             <a:endParaRPr lang="en-US"/>
           </a:p>
@@ -4238,7 +4238,7 @@
           <a:p>
             <a:fld id="{B2F5E2FA-C428-4CE7-95B0-168D3259A5BB}" type="datetimeFigureOut">
               <a:rPr lang="en-US" smtClean="0"/>
-              <a:t>2/23/2022</a:t>
+              <a:t>2/28/2022</a:t>
             </a:fld>
             <a:endParaRPr lang="en-US"/>
           </a:p>
@@ -4515,7 +4515,7 @@
           <a:p>
             <a:fld id="{B2F5E2FA-C428-4CE7-95B0-168D3259A5BB}" type="datetimeFigureOut">
               <a:rPr lang="en-US" smtClean="0"/>
-              <a:t>2/23/2022</a:t>
+              <a:t>2/28/2022</a:t>
             </a:fld>
             <a:endParaRPr lang="en-US"/>
           </a:p>
@@ -4768,7 +4768,7 @@
           <a:p>
             <a:fld id="{B2F5E2FA-C428-4CE7-95B0-168D3259A5BB}" type="datetimeFigureOut">
               <a:rPr lang="en-US" smtClean="0"/>
-              <a:t>2/23/2022</a:t>
+              <a:t>2/28/2022</a:t>
             </a:fld>
             <a:endParaRPr lang="en-US"/>
           </a:p>
@@ -4981,7 +4981,7 @@
           <a:p>
             <a:fld id="{B2F5E2FA-C428-4CE7-95B0-168D3259A5BB}" type="datetimeFigureOut">
               <a:rPr lang="en-US" smtClean="0"/>
-              <a:t>2/23/2022</a:t>
+              <a:t>2/28/2022</a:t>
             </a:fld>
             <a:endParaRPr lang="en-US"/>
           </a:p>
@@ -5512,7 +5512,6 @@
               <a:rPr lang="en-US" dirty="0" smtClean="0"/>
               <a:t>)</a:t>
             </a:r>
-            <a:endParaRPr lang="en-US" dirty="0" smtClean="0"/>
           </a:p>
           <a:p>
             <a:pPr lvl="1"/>
@@ -6076,21 +6075,7 @@
                 <a:latin typeface="Courier New"/>
                 <a:cs typeface="Courier New"/>
               </a:rPr>
-              <a:t>if </a:t>
-            </a:r>
-            <a:r>
-              <a:rPr lang="en-US" b="1" dirty="0" smtClean="0">
-                <a:latin typeface="Courier New"/>
-                <a:cs typeface="Courier New"/>
-              </a:rPr>
-              <a:t>(a </a:t>
-            </a:r>
-            <a:r>
-              <a:rPr lang="en-US" b="1" dirty="0" smtClean="0">
-                <a:latin typeface="Courier New"/>
-                <a:cs typeface="Courier New"/>
-              </a:rPr>
-              <a:t>== b)</a:t>
+              <a:t>if (a == b)</a:t>
             </a:r>
           </a:p>
           <a:p>
@@ -7662,7 +7647,7 @@
         </p:spPr>
         <p:txBody>
           <a:bodyPr>
-            <a:normAutofit fontScale="92500"/>
+            <a:normAutofit/>
           </a:bodyPr>
           <a:lstStyle/>
           <a:p>
@@ -7702,30 +7687,66 @@
           <a:p>
             <a:pPr lvl="1"/>
             <a:r>
+              <a:rPr lang="en-US" dirty="0" smtClean="0"/>
+              <a:t>First, focus </a:t>
+            </a:r>
+            <a:r>
               <a:rPr lang="en-US" dirty="0"/>
-              <a:t>The first iteration focuses on new functionality that has been added since the last round of testing.</a:t>
-            </a:r>
+              <a:t>on new </a:t>
+            </a:r>
+            <a:r>
+              <a:rPr lang="en-US" dirty="0" smtClean="0"/>
+              <a:t>functionality</a:t>
+            </a:r>
+            <a:endParaRPr lang="en-US" dirty="0"/>
           </a:p>
           <a:p>
             <a:pPr lvl="1"/>
             <a:r>
+              <a:rPr lang="en-US" dirty="0" smtClean="0"/>
+              <a:t>Then, regression </a:t>
+            </a:r>
+            <a:r>
               <a:rPr lang="en-US" dirty="0"/>
-              <a:t>A regression test is a test designed to make sure that a change to one area of the software has not caused any other part of the software which had previously passed its tests to stop working. </a:t>
-            </a:r>
+              <a:t>test </a:t>
+            </a:r>
+            <a:r>
+              <a:rPr lang="en-US" dirty="0" smtClean="0"/>
+              <a:t>to </a:t>
+            </a:r>
+            <a:r>
+              <a:rPr lang="en-US" dirty="0"/>
+              <a:t>make sure that a change to one area of the software has not caused any other part of the </a:t>
+            </a:r>
+            <a:r>
+              <a:rPr lang="en-US" dirty="0" smtClean="0"/>
+              <a:t>software</a:t>
+            </a:r>
+            <a:endParaRPr lang="en-US" dirty="0"/>
           </a:p>
           <a:p>
             <a:pPr lvl="1"/>
             <a:r>
               <a:rPr lang="en-US" dirty="0"/>
-              <a:t>Regression testing usually involves executing all test cases which have previously been executed.</a:t>
-            </a:r>
+              <a:t>Regression testing usually involves executing all test cases which have previously been </a:t>
+            </a:r>
+            <a:r>
+              <a:rPr lang="en-US" dirty="0" smtClean="0"/>
+              <a:t>executed</a:t>
+            </a:r>
+            <a:endParaRPr lang="en-US" dirty="0"/>
           </a:p>
           <a:p>
             <a:pPr lvl="1"/>
             <a:r>
               <a:rPr lang="en-US" dirty="0"/>
-              <a:t>There are typically at least two regression tests for any software project.</a:t>
-            </a:r>
+              <a:t>There are typically at least two regression tests for any software </a:t>
+            </a:r>
+            <a:r>
+              <a:rPr lang="en-US" dirty="0" smtClean="0"/>
+              <a:t>project</a:t>
+            </a:r>
+            <a:endParaRPr lang="en-US" dirty="0"/>
           </a:p>
         </p:txBody>
       </p:sp>
@@ -8644,14 +8665,14 @@
           </a:ln>
           <a:extLst>
             <a:ext uri="{909E8E84-426E-40dd-AFC4-6F175D3DCCD1}">
-              <a14:hiddenFill xmlns="" xmlns:a14="http://schemas.microsoft.com/office/drawing/2010/main">
+              <a14:hiddenFill xmlns:a14="http://schemas.microsoft.com/office/drawing/2010/main" xmlns="">
                 <a:solidFill>
                   <a:srgbClr val="FFFFFF"/>
                 </a:solidFill>
               </a14:hiddenFill>
             </a:ext>
             <a:ext uri="{91240B29-F687-4f45-9708-019B960494DF}">
-              <a14:hiddenLine xmlns="" xmlns:a14="http://schemas.microsoft.com/office/drawing/2010/main" w="9525">
+              <a14:hiddenLine xmlns:a14="http://schemas.microsoft.com/office/drawing/2010/main" xmlns="" w="9525">
                 <a:solidFill>
                   <a:srgbClr val="000000"/>
                 </a:solidFill>
@@ -8805,14 +8826,14 @@
           </a:ln>
           <a:extLst>
             <a:ext uri="{909E8E84-426E-40dd-AFC4-6F175D3DCCD1}">
-              <a14:hiddenFill xmlns="" xmlns:a14="http://schemas.microsoft.com/office/drawing/2010/main">
+              <a14:hiddenFill xmlns:a14="http://schemas.microsoft.com/office/drawing/2010/main" xmlns="">
                 <a:solidFill>
                   <a:srgbClr val="FFFFFF"/>
                 </a:solidFill>
               </a14:hiddenFill>
             </a:ext>
             <a:ext uri="{91240B29-F687-4f45-9708-019B960494DF}">
-              <a14:hiddenLine xmlns="" xmlns:a14="http://schemas.microsoft.com/office/drawing/2010/main" w="9525">
+              <a14:hiddenLine xmlns:a14="http://schemas.microsoft.com/office/drawing/2010/main" xmlns="" w="9525">
                 <a:solidFill>
                   <a:srgbClr val="000000"/>
                 </a:solidFill>
@@ -8859,14 +8880,14 @@
           </a:ln>
           <a:extLst>
             <a:ext uri="{909E8E84-426E-40dd-AFC4-6F175D3DCCD1}">
-              <a14:hiddenFill xmlns="" xmlns:a14="http://schemas.microsoft.com/office/drawing/2010/main">
+              <a14:hiddenFill xmlns:a14="http://schemas.microsoft.com/office/drawing/2010/main" xmlns="">
                 <a:solidFill>
                   <a:srgbClr val="FFFFFF"/>
                 </a:solidFill>
               </a14:hiddenFill>
             </a:ext>
             <a:ext uri="{91240B29-F687-4f45-9708-019B960494DF}">
-              <a14:hiddenLine xmlns="" xmlns:a14="http://schemas.microsoft.com/office/drawing/2010/main" w="9525">
+              <a14:hiddenLine xmlns:a14="http://schemas.microsoft.com/office/drawing/2010/main" xmlns="" w="9525">
                 <a:solidFill>
                   <a:srgbClr val="000000"/>
                 </a:solidFill>
@@ -8913,14 +8934,14 @@
           </a:ln>
           <a:extLst>
             <a:ext uri="{909E8E84-426E-40dd-AFC4-6F175D3DCCD1}">
-              <a14:hiddenFill xmlns="" xmlns:a14="http://schemas.microsoft.com/office/drawing/2010/main">
+              <a14:hiddenFill xmlns:a14="http://schemas.microsoft.com/office/drawing/2010/main" xmlns="">
                 <a:solidFill>
                   <a:srgbClr val="FFFFFF"/>
                 </a:solidFill>
               </a14:hiddenFill>
             </a:ext>
             <a:ext uri="{91240B29-F687-4f45-9708-019B960494DF}">
-              <a14:hiddenLine xmlns="" xmlns:a14="http://schemas.microsoft.com/office/drawing/2010/main" w="9525">
+              <a14:hiddenLine xmlns:a14="http://schemas.microsoft.com/office/drawing/2010/main" xmlns="" w="9525">
                 <a:solidFill>
                   <a:srgbClr val="000000"/>
                 </a:solidFill>
@@ -9370,13 +9391,40 @@
             </a:r>
           </a:p>
           <a:p>
+            <a:pPr lvl="1"/>
             <a:r>
               <a:rPr lang="en-US" dirty="0" smtClean="0"/>
               <a:t>Weighing </a:t>
             </a:r>
             <a:r>
               <a:rPr lang="en-US" dirty="0"/>
-              <a:t>yourself doesn't reduce your weight; going to the doctor doesn't make you healthy. Those things help to identify problems that you might choose to resolve. Testing does too. </a:t>
+              <a:t>yourself doesn't reduce your </a:t>
+            </a:r>
+            <a:r>
+              <a:rPr lang="en-US" dirty="0" smtClean="0"/>
+              <a:t>weight</a:t>
+            </a:r>
+          </a:p>
+          <a:p>
+            <a:pPr lvl="1"/>
+            <a:r>
+              <a:rPr lang="en-US" dirty="0" smtClean="0"/>
+              <a:t>Going </a:t>
+            </a:r>
+            <a:r>
+              <a:rPr lang="en-US" dirty="0"/>
+              <a:t>to the doctor doesn't make you healthy. </a:t>
+            </a:r>
+            <a:endParaRPr lang="en-US" dirty="0" smtClean="0"/>
+          </a:p>
+          <a:p>
+            <a:r>
+              <a:rPr lang="en-US" dirty="0" smtClean="0"/>
+              <a:t>Those </a:t>
+            </a:r>
+            <a:r>
+              <a:rPr lang="en-US" dirty="0"/>
+              <a:t>things help to identify problems that you might choose to resolve. Testing does too. </a:t>
             </a:r>
             <a:endParaRPr lang="en-US" dirty="0" smtClean="0"/>
           </a:p>
@@ -9389,14 +9437,6 @@
               <a:rPr lang="en-US" dirty="0" smtClean="0"/>
               <a:t>.</a:t>
             </a:r>
-          </a:p>
-          <a:p>
-            <a:r>
-              <a:rPr lang="en-US" dirty="0"/>
-              <a:t>Testing does not improve quality unless something else changes.  What testing *does* do is to provide us with awareness of the status of the product, whereupon people may decide (or not) to improve its quality.</a:t>
-            </a:r>
-          </a:p>
-          <a:p>
             <a:endParaRPr lang="en-US" dirty="0"/>
           </a:p>
           <a:p>
@@ -10262,48 +10302,6 @@
               <a:t>routes each defect between testers, developers, the project manager and others, following a workflow designed to ensure that the defect is verified and repaired. </a:t>
             </a:r>
           </a:p>
-          <a:p>
-            <a:pPr lvl="1"/>
-            <a:r>
-              <a:rPr lang="en-US" dirty="0"/>
-              <a:t>Every defect encountered in the test run is recorded and entered into a defect tracking system so that it can be prioritized.</a:t>
-            </a:r>
-          </a:p>
-          <a:p>
-            <a:pPr lvl="1"/>
-            <a:r>
-              <a:rPr lang="en-US" dirty="0"/>
-              <a:t>The defect workflow should track the interaction between the testers who find the defect and the </a:t>
-            </a:r>
-            <a:r>
-              <a:rPr lang="en-US" dirty="0" smtClean="0"/>
-              <a:t>developers </a:t>
-            </a:r>
-            <a:r>
-              <a:rPr lang="en-US" dirty="0"/>
-              <a:t>who fix it. </a:t>
-            </a:r>
-            <a:endParaRPr lang="en-US" dirty="0" smtClean="0"/>
-          </a:p>
-          <a:p>
-            <a:pPr lvl="1"/>
-            <a:r>
-              <a:rPr lang="en-US" dirty="0" smtClean="0"/>
-              <a:t>It </a:t>
-            </a:r>
-            <a:r>
-              <a:rPr lang="en-US" dirty="0"/>
-              <a:t>should ensure that every defect can be properly prioritized and reviewed by all of the stakeholders to determine whether or not it should be repaired. This process of review and prioritization referred to as </a:t>
-            </a:r>
-            <a:r>
-              <a:rPr lang="en-US" b="1" dirty="0"/>
-              <a:t>triage</a:t>
-            </a:r>
-            <a:r>
-              <a:rPr lang="en-US" dirty="0"/>
-              <a:t>.</a:t>
-            </a:r>
-          </a:p>
         </p:txBody>
       </p:sp>
       <p:sp>
@@ -11501,7 +11499,6 @@
               <a:rPr lang="en-US" dirty="0" smtClean="0"/>
               <a:t>application</a:t>
             </a:r>
-            <a:endParaRPr lang="en-US" dirty="0" smtClean="0"/>
           </a:p>
           <a:p>
             <a:pPr lvl="1"/>
